--- a/presentation.pptx
+++ b/presentation.pptx
@@ -13,8 +13,9 @@
     <p:sldId id="262" r:id="rId7"/>
     <p:sldId id="264" r:id="rId8"/>
     <p:sldId id="263" r:id="rId9"/>
-    <p:sldId id="260" r:id="rId10"/>
-    <p:sldId id="265" r:id="rId11"/>
+    <p:sldId id="266" r:id="rId10"/>
+    <p:sldId id="260" r:id="rId11"/>
+    <p:sldId id="265" r:id="rId12"/>
   </p:sldIdLst>
   <p:sldSz cx="12192000" cy="6858000"/>
   <p:notesSz cx="6858000" cy="9144000"/>
@@ -2630,8 +2631,8 @@
         <a:lstStyle/>
         <a:p>
           <a:r>
-            <a:rPr lang="en-US"/>
-            <a:t>Perform time series analysis to the WGI, to forecast the next year’s values and predict next year’s credit risk.</a:t>
+            <a:rPr lang="en-US" dirty="0"/>
+            <a:t>Perform time series analysis on the WGI.</a:t>
           </a:r>
         </a:p>
       </dgm:t>
@@ -2666,12 +2667,12 @@
         <a:lstStyle/>
         <a:p>
           <a:r>
-            <a:rPr lang="es-MX"/>
+            <a:rPr lang="es-MX" dirty="0"/>
             <a:t>Carry out hypotheiss testing to find out if differences in WGI among regions, income levels, and rating grades are statistically significant.</a:t>
           </a:r>
         </a:p>
         <a:p>
-          <a:endParaRPr lang="es-MX"/>
+          <a:endParaRPr lang="es-MX" dirty="0"/>
         </a:p>
       </dgm:t>
     </dgm:pt>
@@ -4108,8 +4109,8 @@
             <a:buNone/>
           </a:pPr>
           <a:r>
-            <a:rPr lang="en-US" sz="1800" kern="1200"/>
-            <a:t>Perform time series analysis to the WGI, to forecast the next year’s values and predict next year’s credit risk.</a:t>
+            <a:rPr lang="en-US" sz="1800" kern="1200" dirty="0"/>
+            <a:t>Perform time series analysis on the WGI.</a:t>
           </a:r>
         </a:p>
       </dsp:txBody>
@@ -4258,7 +4259,7 @@
             <a:buNone/>
           </a:pPr>
           <a:r>
-            <a:rPr lang="es-MX" sz="1800" kern="1200"/>
+            <a:rPr lang="es-MX" sz="1800" kern="1200" dirty="0"/>
             <a:t>Carry out hypotheiss testing to find out if differences in WGI among regions, income levels, and rating grades are statistically significant.</a:t>
           </a:r>
         </a:p>
@@ -4275,7 +4276,7 @@
             </a:spcAft>
             <a:buNone/>
           </a:pPr>
-          <a:endParaRPr lang="es-MX" sz="1800" kern="1200"/>
+          <a:endParaRPr lang="es-MX" sz="1800" kern="1200" dirty="0"/>
         </a:p>
       </dsp:txBody>
       <dsp:txXfrm>
@@ -11027,6 +11028,114 @@
       </p:grpSpPr>
       <p:sp>
         <p:nvSpPr>
+          <p:cNvPr id="2" name="Título 1">
+            <a:extLst>
+              <a:ext uri="{FF2B5EF4-FFF2-40B4-BE49-F238E27FC236}">
+                <a16:creationId xmlns:a16="http://schemas.microsoft.com/office/drawing/2014/main" id="{56627767-22DA-C942-846E-EC86266F2412}"/>
+              </a:ext>
+            </a:extLst>
+          </p:cNvPr>
+          <p:cNvSpPr>
+            <a:spLocks noGrp="1"/>
+          </p:cNvSpPr>
+          <p:nvPr>
+            <p:ph type="title"/>
+          </p:nvPr>
+        </p:nvSpPr>
+        <p:spPr>
+          <a:xfrm>
+            <a:off x="581192" y="702156"/>
+            <a:ext cx="11029616" cy="1013800"/>
+          </a:xfrm>
+        </p:spPr>
+        <p:txBody>
+          <a:bodyPr>
+            <a:normAutofit/>
+          </a:bodyPr>
+          <a:lstStyle/>
+          <a:p>
+            <a:r>
+              <a:rPr lang="en-US">
+                <a:solidFill>
+                  <a:srgbClr val="FFFEFF"/>
+                </a:solidFill>
+              </a:rPr>
+              <a:t>Further Work</a:t>
+            </a:r>
+          </a:p>
+        </p:txBody>
+      </p:sp>
+      <p:graphicFrame>
+        <p:nvGraphicFramePr>
+          <p:cNvPr id="16" name="Marcador de contenido 2">
+            <a:extLst>
+              <a:ext uri="{FF2B5EF4-FFF2-40B4-BE49-F238E27FC236}">
+                <a16:creationId xmlns:a16="http://schemas.microsoft.com/office/drawing/2014/main" id="{CBE03820-82B2-4CEE-A28B-282ACB749937}"/>
+              </a:ext>
+            </a:extLst>
+          </p:cNvPr>
+          <p:cNvGraphicFramePr>
+            <a:graphicFrameLocks noGrp="1"/>
+          </p:cNvGraphicFramePr>
+          <p:nvPr>
+            <p:ph idx="1"/>
+            <p:extLst>
+              <p:ext uri="{D42A27DB-BD31-4B8C-83A1-F6EECF244321}">
+                <p14:modId xmlns:p14="http://schemas.microsoft.com/office/powerpoint/2010/main" val="2097566826"/>
+              </p:ext>
+            </p:extLst>
+          </p:nvPr>
+        </p:nvGraphicFramePr>
+        <p:xfrm>
+          <a:off x="581025" y="2181225"/>
+          <a:ext cx="11029950" cy="3678238"/>
+        </p:xfrm>
+        <a:graphic>
+          <a:graphicData uri="http://schemas.openxmlformats.org/drawingml/2006/diagram">
+            <dgm:relIds xmlns:dgm="http://schemas.openxmlformats.org/drawingml/2006/diagram" xmlns:r="http://schemas.openxmlformats.org/officeDocument/2006/relationships" r:dm="rId2" r:lo="rId3" r:qs="rId4" r:cs="rId5"/>
+          </a:graphicData>
+        </a:graphic>
+      </p:graphicFrame>
+    </p:spTree>
+    <p:extLst>
+      <p:ext uri="{BB962C8B-B14F-4D97-AF65-F5344CB8AC3E}">
+        <p14:creationId xmlns:p14="http://schemas.microsoft.com/office/powerpoint/2010/main" val="337677182"/>
+      </p:ext>
+    </p:extLst>
+  </p:cSld>
+  <p:clrMapOvr>
+    <a:masterClrMapping/>
+  </p:clrMapOvr>
+</p:sld>
+</file>
+
+<file path=ppt/slides/slide11.xml><?xml version="1.0" encoding="utf-8"?>
+<p:sld xmlns:a="http://schemas.openxmlformats.org/drawingml/2006/main" xmlns:r="http://schemas.openxmlformats.org/officeDocument/2006/relationships" xmlns:p="http://schemas.openxmlformats.org/presentationml/2006/main">
+  <p:cSld>
+    <p:bg>
+      <p:bgPr>
+        <a:solidFill>
+          <a:schemeClr val="bg1"/>
+        </a:solidFill>
+        <a:effectLst/>
+      </p:bgPr>
+    </p:bg>
+    <p:spTree>
+      <p:nvGrpSpPr>
+        <p:cNvPr id="1" name=""/>
+        <p:cNvGrpSpPr/>
+        <p:nvPr/>
+      </p:nvGrpSpPr>
+      <p:grpSpPr>
+        <a:xfrm>
+          <a:off x="0" y="0"/>
+          <a:ext cx="0" cy="0"/>
+          <a:chOff x="0" y="0"/>
+          <a:chExt cx="0" cy="0"/>
+        </a:xfrm>
+      </p:grpSpPr>
+      <p:sp>
+        <p:nvSpPr>
           <p:cNvPr id="24" name="Rectangle 9">
             <a:extLst>
               <a:ext uri="{FF2B5EF4-FFF2-40B4-BE49-F238E27FC236}">
@@ -11431,7 +11540,7 @@
                   <a:srgbClr val="EBEBEB"/>
                 </a:solidFill>
               </a:rPr>
-              <a:t>Any questions?</a:t>
+              <a:t>Any questions</a:t>
             </a:r>
           </a:p>
         </p:txBody>
@@ -11475,6 +11584,65 @@
           </a:prstGeom>
         </p:spPr>
       </p:pic>
+      <p:sp>
+        <p:nvSpPr>
+          <p:cNvPr id="5" name="CuadroTexto 4">
+            <a:extLst>
+              <a:ext uri="{FF2B5EF4-FFF2-40B4-BE49-F238E27FC236}">
+                <a16:creationId xmlns:a16="http://schemas.microsoft.com/office/drawing/2014/main" id="{AF657199-C1C6-6147-B9B7-C35E8E1953E2}"/>
+              </a:ext>
+            </a:extLst>
+          </p:cNvPr>
+          <p:cNvSpPr txBox="1"/>
+          <p:nvPr/>
+        </p:nvSpPr>
+        <p:spPr>
+          <a:xfrm>
+            <a:off x="4410085" y="5696605"/>
+            <a:ext cx="7172148" cy="523220"/>
+          </a:xfrm>
+          <a:prstGeom prst="rect">
+            <a:avLst/>
+          </a:prstGeom>
+          <a:noFill/>
+        </p:spPr>
+        <p:txBody>
+          <a:bodyPr wrap="square" rtlCol="0">
+            <a:spAutoFit/>
+          </a:bodyPr>
+          <a:lstStyle/>
+          <a:p>
+            <a:r>
+              <a:rPr lang="en-US" sz="1400" dirty="0">
+                <a:solidFill>
+                  <a:schemeClr val="bg1"/>
+                </a:solidFill>
+              </a:rPr>
+              <a:t>For the full project notebook please visit: </a:t>
+            </a:r>
+            <a:r>
+              <a:rPr lang="es-MX" sz="1400" dirty="0">
+                <a:solidFill>
+                  <a:schemeClr val="bg1"/>
+                </a:solidFill>
+                <a:hlinkClick r:id="rId4">
+                  <a:extLst>
+                    <a:ext uri="{A12FA001-AC4F-418D-AE19-62706E023703}">
+                      <ahyp:hlinkClr xmlns:ahyp="http://schemas.microsoft.com/office/drawing/2018/hyperlinkcolor" val="tx"/>
+                    </a:ext>
+                  </a:extLst>
+                </a:hlinkClick>
+              </a:rPr>
+              <a:t>https://github.com/feraguilari/WorldBank_Capstone/blob/master/notebook.ipynb</a:t>
+            </a:r>
+            <a:endParaRPr lang="en-US" sz="1400" dirty="0">
+              <a:solidFill>
+                <a:schemeClr val="bg1"/>
+              </a:solidFill>
+            </a:endParaRPr>
+          </a:p>
+        </p:txBody>
+      </p:sp>
     </p:spTree>
     <p:extLst>
       <p:ext uri="{BB962C8B-B14F-4D97-AF65-F5344CB8AC3E}">
@@ -12022,6 +12190,12 @@
             </a:r>
           </a:p>
           <a:p>
+            <a:r>
+              <a:rPr lang="en-US" dirty="0"/>
+              <a:t>From the 205 countries included in the WGI, in 2018, 81 did not get a sovereign credit rating in 2018</a:t>
+            </a:r>
+          </a:p>
+          <a:p>
             <a:endParaRPr lang="en-US" dirty="0"/>
           </a:p>
         </p:txBody>
@@ -12711,31 +12885,94 @@
           </a:p>
         </p:txBody>
       </p:sp>
-      <p:sp>
-        <p:nvSpPr>
-          <p:cNvPr id="3" name="Marcador de contenido 2">
+      <p:pic>
+        <p:nvPicPr>
+          <p:cNvPr id="7" name="Marcador de contenido 6">
             <a:extLst>
               <a:ext uri="{FF2B5EF4-FFF2-40B4-BE49-F238E27FC236}">
-                <a16:creationId xmlns:a16="http://schemas.microsoft.com/office/drawing/2014/main" id="{DFB19B89-4A70-5847-8D17-0AAAC34AAB74}"/>
+                <a16:creationId xmlns:a16="http://schemas.microsoft.com/office/drawing/2014/main" id="{21C121BF-D055-C44F-9E2C-EDEFCCA9BF73}"/>
               </a:ext>
             </a:extLst>
           </p:cNvPr>
-          <p:cNvSpPr>
-            <a:spLocks noGrp="1"/>
-          </p:cNvSpPr>
+          <p:cNvPicPr>
+            <a:picLocks noGrp="1" noChangeAspect="1"/>
+          </p:cNvPicPr>
           <p:nvPr>
-            <p:ph idx="1"/>
+            <p:ph sz="half" idx="1"/>
           </p:nvPr>
-        </p:nvSpPr>
-        <p:spPr/>
-        <p:txBody>
-          <a:bodyPr/>
-          <a:lstStyle/>
-          <a:p>
-            <a:endParaRPr lang="en-US"/>
-          </a:p>
-        </p:txBody>
-      </p:sp>
+        </p:nvPicPr>
+        <p:blipFill>
+          <a:blip r:embed="rId2"/>
+          <a:stretch>
+            <a:fillRect/>
+          </a:stretch>
+        </p:blipFill>
+        <p:spPr>
+          <a:xfrm>
+            <a:off x="581193" y="1991665"/>
+            <a:ext cx="2764586" cy="4239508"/>
+          </a:xfrm>
+        </p:spPr>
+      </p:pic>
+      <p:pic>
+        <p:nvPicPr>
+          <p:cNvPr id="11" name="Imagen 10">
+            <a:extLst>
+              <a:ext uri="{FF2B5EF4-FFF2-40B4-BE49-F238E27FC236}">
+                <a16:creationId xmlns:a16="http://schemas.microsoft.com/office/drawing/2014/main" id="{0556FB1E-1E61-3146-957E-CDCD7F040077}"/>
+              </a:ext>
+            </a:extLst>
+          </p:cNvPr>
+          <p:cNvPicPr>
+            <a:picLocks noChangeAspect="1"/>
+          </p:cNvPicPr>
+          <p:nvPr/>
+        </p:nvPicPr>
+        <p:blipFill>
+          <a:blip r:embed="rId3"/>
+          <a:stretch>
+            <a:fillRect/>
+          </a:stretch>
+        </p:blipFill>
+        <p:spPr>
+          <a:xfrm>
+            <a:off x="3650579" y="3370240"/>
+            <a:ext cx="6477000" cy="3111500"/>
+          </a:xfrm>
+          <a:prstGeom prst="rect">
+            <a:avLst/>
+          </a:prstGeom>
+        </p:spPr>
+      </p:pic>
+      <p:pic>
+        <p:nvPicPr>
+          <p:cNvPr id="15" name="Marcador de contenido 14">
+            <a:extLst>
+              <a:ext uri="{FF2B5EF4-FFF2-40B4-BE49-F238E27FC236}">
+                <a16:creationId xmlns:a16="http://schemas.microsoft.com/office/drawing/2014/main" id="{D0CB9DAB-8EBE-5648-AB07-8F8878B4DF25}"/>
+              </a:ext>
+            </a:extLst>
+          </p:cNvPr>
+          <p:cNvPicPr>
+            <a:picLocks noGrp="1" noChangeAspect="1"/>
+          </p:cNvPicPr>
+          <p:nvPr>
+            <p:ph sz="half" idx="2"/>
+          </p:nvPr>
+        </p:nvPicPr>
+        <p:blipFill>
+          <a:blip r:embed="rId4"/>
+          <a:stretch>
+            <a:fillRect/>
+          </a:stretch>
+        </p:blipFill>
+        <p:spPr>
+          <a:xfrm>
+            <a:off x="6096000" y="1991665"/>
+            <a:ext cx="2273300" cy="1104900"/>
+          </a:xfrm>
+        </p:spPr>
+      </p:pic>
     </p:spTree>
     <p:extLst>
       <p:ext uri="{BB962C8B-B14F-4D97-AF65-F5344CB8AC3E}">
@@ -12752,14 +12989,6 @@
 <file path=ppt/slides/slide9.xml><?xml version="1.0" encoding="utf-8"?>
 <p:sld xmlns:a="http://schemas.openxmlformats.org/drawingml/2006/main" xmlns:r="http://schemas.openxmlformats.org/officeDocument/2006/relationships" xmlns:p="http://schemas.openxmlformats.org/presentationml/2006/main">
   <p:cSld>
-    <p:bg>
-      <p:bgPr>
-        <a:solidFill>
-          <a:schemeClr val="bg1"/>
-        </a:solidFill>
-        <a:effectLst/>
-      </p:bgPr>
-    </p:bg>
     <p:spTree>
       <p:nvGrpSpPr>
         <p:cNvPr id="1" name=""/>
@@ -12779,7 +13008,7 @@
           <p:cNvPr id="2" name="Título 1">
             <a:extLst>
               <a:ext uri="{FF2B5EF4-FFF2-40B4-BE49-F238E27FC236}">
-                <a16:creationId xmlns:a16="http://schemas.microsoft.com/office/drawing/2014/main" id="{56627767-22DA-C942-846E-EC86266F2412}"/>
+                <a16:creationId xmlns:a16="http://schemas.microsoft.com/office/drawing/2014/main" id="{CFFD42AD-5567-F346-BA61-A815F8A151E1}"/>
               </a:ext>
             </a:extLst>
           </p:cNvPr>
@@ -12790,64 +13019,142 @@
             <p:ph type="title"/>
           </p:nvPr>
         </p:nvSpPr>
-        <p:spPr>
-          <a:xfrm>
-            <a:off x="581192" y="702156"/>
-            <a:ext cx="11029616" cy="1013800"/>
-          </a:xfrm>
-        </p:spPr>
+        <p:spPr/>
         <p:txBody>
-          <a:bodyPr>
-            <a:normAutofit/>
-          </a:bodyPr>
+          <a:bodyPr/>
           <a:lstStyle/>
           <a:p>
             <a:r>
-              <a:rPr lang="en-US">
-                <a:solidFill>
-                  <a:srgbClr val="FFFEFF"/>
-                </a:solidFill>
-              </a:rPr>
-              <a:t>Further Work</a:t>
+              <a:rPr lang="en-US" dirty="0"/>
+              <a:t>Conclusion and Recommendations</a:t>
             </a:r>
           </a:p>
         </p:txBody>
       </p:sp>
-      <p:graphicFrame>
-        <p:nvGraphicFramePr>
-          <p:cNvPr id="16" name="Marcador de contenido 2">
+      <p:pic>
+        <p:nvPicPr>
+          <p:cNvPr id="7" name="Marcador de contenido 6">
             <a:extLst>
               <a:ext uri="{FF2B5EF4-FFF2-40B4-BE49-F238E27FC236}">
-                <a16:creationId xmlns:a16="http://schemas.microsoft.com/office/drawing/2014/main" id="{CBE03820-82B2-4CEE-A28B-282ACB749937}"/>
+                <a16:creationId xmlns:a16="http://schemas.microsoft.com/office/drawing/2014/main" id="{F730CFD6-E992-4843-BE6D-E503579A73A9}"/>
               </a:ext>
             </a:extLst>
           </p:cNvPr>
-          <p:cNvGraphicFramePr>
-            <a:graphicFrameLocks noGrp="1"/>
-          </p:cNvGraphicFramePr>
+          <p:cNvPicPr>
+            <a:picLocks noGrp="1" noChangeAspect="1"/>
+          </p:cNvPicPr>
           <p:nvPr>
             <p:ph idx="1"/>
-            <p:extLst>
-              <p:ext uri="{D42A27DB-BD31-4B8C-83A1-F6EECF244321}">
-                <p14:modId xmlns:p14="http://schemas.microsoft.com/office/powerpoint/2010/main" val="98538112"/>
-              </p:ext>
-            </p:extLst>
           </p:nvPr>
-        </p:nvGraphicFramePr>
-        <p:xfrm>
-          <a:off x="581025" y="2181225"/>
-          <a:ext cx="11029950" cy="3678238"/>
-        </p:xfrm>
-        <a:graphic>
-          <a:graphicData uri="http://schemas.openxmlformats.org/drawingml/2006/diagram">
-            <dgm:relIds xmlns:dgm="http://schemas.openxmlformats.org/drawingml/2006/diagram" xmlns:r="http://schemas.openxmlformats.org/officeDocument/2006/relationships" r:dm="rId2" r:lo="rId3" r:qs="rId4" r:cs="rId5"/>
-          </a:graphicData>
-        </a:graphic>
-      </p:graphicFrame>
+        </p:nvPicPr>
+        <p:blipFill>
+          <a:blip r:embed="rId2"/>
+          <a:stretch>
+            <a:fillRect/>
+          </a:stretch>
+        </p:blipFill>
+        <p:spPr>
+          <a:xfrm>
+            <a:off x="853219" y="2270092"/>
+            <a:ext cx="5242781" cy="4045409"/>
+          </a:xfrm>
+        </p:spPr>
+      </p:pic>
+      <p:sp>
+        <p:nvSpPr>
+          <p:cNvPr id="8" name="CuadroTexto 7">
+            <a:extLst>
+              <a:ext uri="{FF2B5EF4-FFF2-40B4-BE49-F238E27FC236}">
+                <a16:creationId xmlns:a16="http://schemas.microsoft.com/office/drawing/2014/main" id="{A6E6F214-A55E-3943-9565-A510342BEC5A}"/>
+              </a:ext>
+            </a:extLst>
+          </p:cNvPr>
+          <p:cNvSpPr txBox="1"/>
+          <p:nvPr/>
+        </p:nvSpPr>
+        <p:spPr>
+          <a:xfrm>
+            <a:off x="2598311" y="1900760"/>
+            <a:ext cx="2608599" cy="369332"/>
+          </a:xfrm>
+          <a:prstGeom prst="rect">
+            <a:avLst/>
+          </a:prstGeom>
+          <a:noFill/>
+        </p:spPr>
+        <p:txBody>
+          <a:bodyPr wrap="none" rtlCol="0">
+            <a:spAutoFit/>
+          </a:bodyPr>
+          <a:lstStyle/>
+          <a:p>
+            <a:r>
+              <a:rPr lang="en-US" dirty="0"/>
+              <a:t>2018 Predictions (sample)</a:t>
+            </a:r>
+          </a:p>
+        </p:txBody>
+      </p:sp>
+      <p:sp>
+        <p:nvSpPr>
+          <p:cNvPr id="10" name="CuadroTexto 9">
+            <a:extLst>
+              <a:ext uri="{FF2B5EF4-FFF2-40B4-BE49-F238E27FC236}">
+                <a16:creationId xmlns:a16="http://schemas.microsoft.com/office/drawing/2014/main" id="{6B6EB93D-5D29-6C4A-B254-E46ECFB82D99}"/>
+              </a:ext>
+            </a:extLst>
+          </p:cNvPr>
+          <p:cNvSpPr txBox="1"/>
+          <p:nvPr/>
+        </p:nvSpPr>
+        <p:spPr>
+          <a:xfrm>
+            <a:off x="6502400" y="2888343"/>
+            <a:ext cx="5108408" cy="2308324"/>
+          </a:xfrm>
+          <a:prstGeom prst="rect">
+            <a:avLst/>
+          </a:prstGeom>
+          <a:noFill/>
+        </p:spPr>
+        <p:txBody>
+          <a:bodyPr wrap="square" rtlCol="0">
+            <a:spAutoFit/>
+          </a:bodyPr>
+          <a:lstStyle/>
+          <a:p>
+            <a:pPr marL="285750" indent="-285750">
+              <a:buFont typeface="Arial" panose="020B0604020202020204" pitchFamily="34" charset="0"/>
+              <a:buChar char="•"/>
+            </a:pPr>
+            <a:r>
+              <a:rPr lang="en-US" dirty="0"/>
+              <a:t>Achieving a model with a 66% precision score is remarkable while having 7 different classes</a:t>
+            </a:r>
+          </a:p>
+          <a:p>
+            <a:pPr marL="285750" indent="-285750">
+              <a:buFont typeface="Arial" panose="020B0604020202020204" pitchFamily="34" charset="0"/>
+              <a:buChar char="•"/>
+            </a:pPr>
+            <a:endParaRPr lang="en-US" dirty="0"/>
+          </a:p>
+          <a:p>
+            <a:pPr marL="285750" indent="-285750">
+              <a:buFont typeface="Arial" panose="020B0604020202020204" pitchFamily="34" charset="0"/>
+              <a:buChar char="•"/>
+            </a:pPr>
+            <a:r>
+              <a:rPr lang="en-US" dirty="0"/>
+              <a:t>This model does not replace current more complete models, but it could be used as a feature engineering model that outputs a new feature to be used in existing models and increase their performance.</a:t>
+            </a:r>
+          </a:p>
+        </p:txBody>
+      </p:sp>
     </p:spTree>
     <p:extLst>
       <p:ext uri="{BB962C8B-B14F-4D97-AF65-F5344CB8AC3E}">
-        <p14:creationId xmlns:p14="http://schemas.microsoft.com/office/powerpoint/2010/main" val="337677182"/>
+        <p14:creationId xmlns:p14="http://schemas.microsoft.com/office/powerpoint/2010/main" val="1637966738"/>
       </p:ext>
     </p:extLst>
   </p:cSld>

--- a/presentation.pptx
+++ b/presentation.pptx
@@ -12468,27 +12468,26 @@
           <a:lstStyle/>
           <a:p>
             <a:r>
-              <a:rPr lang="en-US" dirty="0"/>
+              <a:rPr lang="en-US"/>
               <a:t>Governance Indicators Through Time</a:t>
             </a:r>
+            <a:endParaRPr lang="en-US" dirty="0"/>
           </a:p>
         </p:txBody>
       </p:sp>
       <p:pic>
         <p:nvPicPr>
-          <p:cNvPr id="10" name="Marcador de contenido 9">
+          <p:cNvPr id="18" name="Imagen 17">
             <a:extLst>
               <a:ext uri="{FF2B5EF4-FFF2-40B4-BE49-F238E27FC236}">
-                <a16:creationId xmlns:a16="http://schemas.microsoft.com/office/drawing/2014/main" id="{AF63A8C5-E482-0442-A4BE-3BE50FDA9D03}"/>
+                <a16:creationId xmlns:a16="http://schemas.microsoft.com/office/drawing/2014/main" id="{F7F0F286-7E87-7A46-8C0E-EBFF6D1ABFFF}"/>
               </a:ext>
             </a:extLst>
           </p:cNvPr>
           <p:cNvPicPr>
-            <a:picLocks noGrp="1" noChangeAspect="1"/>
+            <a:picLocks noChangeAspect="1"/>
           </p:cNvPicPr>
-          <p:nvPr>
-            <p:ph idx="1"/>
-          </p:nvPr>
+          <p:nvPr/>
         </p:nvPicPr>
         <p:blipFill>
           <a:blip r:embed="rId2"/>
@@ -12498,9 +12497,12 @@
         </p:blipFill>
         <p:spPr>
           <a:xfrm>
-            <a:off x="2444161" y="2181225"/>
-            <a:ext cx="7303678" cy="3678238"/>
+            <a:off x="1886856" y="2021507"/>
+            <a:ext cx="8144329" cy="4476191"/>
           </a:xfrm>
+          <a:prstGeom prst="rect">
+            <a:avLst/>
+          </a:prstGeom>
         </p:spPr>
       </p:pic>
     </p:spTree>
@@ -12563,19 +12565,17 @@
       </p:sp>
       <p:pic>
         <p:nvPicPr>
-          <p:cNvPr id="5" name="Marcador de contenido 4">
+          <p:cNvPr id="22" name="Imagen 21">
             <a:extLst>
               <a:ext uri="{FF2B5EF4-FFF2-40B4-BE49-F238E27FC236}">
-                <a16:creationId xmlns:a16="http://schemas.microsoft.com/office/drawing/2014/main" id="{87470178-2D13-6942-9EC7-D4B5B27CE837}"/>
+                <a16:creationId xmlns:a16="http://schemas.microsoft.com/office/drawing/2014/main" id="{1123049F-76B6-6A47-8203-199017FD4CDD}"/>
               </a:ext>
             </a:extLst>
           </p:cNvPr>
           <p:cNvPicPr>
-            <a:picLocks noGrp="1" noChangeAspect="1"/>
+            <a:picLocks noChangeAspect="1"/>
           </p:cNvPicPr>
-          <p:nvPr>
-            <p:ph idx="1"/>
-          </p:nvPr>
+          <p:nvPr/>
         </p:nvPicPr>
         <p:blipFill>
           <a:blip r:embed="rId2"/>
@@ -12585,17 +12585,20 @@
         </p:blipFill>
         <p:spPr>
           <a:xfrm>
-            <a:off x="8010179" y="2129279"/>
-            <a:ext cx="3641926" cy="1873675"/>
+            <a:off x="394881" y="2087022"/>
+            <a:ext cx="3631584" cy="1961518"/>
           </a:xfrm>
+          <a:prstGeom prst="rect">
+            <a:avLst/>
+          </a:prstGeom>
         </p:spPr>
       </p:pic>
       <p:pic>
         <p:nvPicPr>
-          <p:cNvPr id="7" name="Imagen 6">
+          <p:cNvPr id="24" name="Imagen 23">
             <a:extLst>
               <a:ext uri="{FF2B5EF4-FFF2-40B4-BE49-F238E27FC236}">
-                <a16:creationId xmlns:a16="http://schemas.microsoft.com/office/drawing/2014/main" id="{F339DB69-5873-7A48-98F8-0ADA8D6559B1}"/>
+                <a16:creationId xmlns:a16="http://schemas.microsoft.com/office/drawing/2014/main" id="{D0CAAE0F-B48D-0748-B165-83F2149D3C13}"/>
               </a:ext>
             </a:extLst>
           </p:cNvPr>
@@ -12612,8 +12615,8 @@
         </p:blipFill>
         <p:spPr>
           <a:xfrm>
-            <a:off x="506387" y="2129279"/>
-            <a:ext cx="3613174" cy="1873675"/>
+            <a:off x="8094898" y="4237222"/>
+            <a:ext cx="3646536" cy="2011553"/>
           </a:xfrm>
           <a:prstGeom prst="rect">
             <a:avLst/>
@@ -12622,10 +12625,10 @@
       </p:pic>
       <p:pic>
         <p:nvPicPr>
-          <p:cNvPr id="9" name="Imagen 8">
+          <p:cNvPr id="26" name="Imagen 25">
             <a:extLst>
               <a:ext uri="{FF2B5EF4-FFF2-40B4-BE49-F238E27FC236}">
-                <a16:creationId xmlns:a16="http://schemas.microsoft.com/office/drawing/2014/main" id="{DE07C65A-C88C-EA48-BBF1-5CA7560C077C}"/>
+                <a16:creationId xmlns:a16="http://schemas.microsoft.com/office/drawing/2014/main" id="{64D2C052-D5AB-2946-ACD5-A778728D95E5}"/>
               </a:ext>
             </a:extLst>
           </p:cNvPr>
@@ -12642,8 +12645,8 @@
         </p:blipFill>
         <p:spPr>
           <a:xfrm>
-            <a:off x="4208384" y="2129279"/>
-            <a:ext cx="3641926" cy="1873675"/>
+            <a:off x="322728" y="4288980"/>
+            <a:ext cx="3703737" cy="2011553"/>
           </a:xfrm>
           <a:prstGeom prst="rect">
             <a:avLst/>
@@ -12652,10 +12655,10 @@
       </p:pic>
       <p:pic>
         <p:nvPicPr>
-          <p:cNvPr id="11" name="Imagen 10">
+          <p:cNvPr id="28" name="Imagen 27">
             <a:extLst>
               <a:ext uri="{FF2B5EF4-FFF2-40B4-BE49-F238E27FC236}">
-                <a16:creationId xmlns:a16="http://schemas.microsoft.com/office/drawing/2014/main" id="{AA2C7CAE-03AC-0C44-9C3A-4DF51554897E}"/>
+                <a16:creationId xmlns:a16="http://schemas.microsoft.com/office/drawing/2014/main" id="{6D6FE112-408B-5C4D-A387-0328EB8D9F04}"/>
               </a:ext>
             </a:extLst>
           </p:cNvPr>
@@ -12672,8 +12675,8 @@
         </p:blipFill>
         <p:spPr>
           <a:xfrm>
-            <a:off x="483123" y="4436637"/>
-            <a:ext cx="3656302" cy="1892843"/>
+            <a:off x="4273184" y="2091649"/>
+            <a:ext cx="3589948" cy="1952265"/>
           </a:xfrm>
           <a:prstGeom prst="rect">
             <a:avLst/>
@@ -12682,10 +12685,10 @@
       </p:pic>
       <p:pic>
         <p:nvPicPr>
-          <p:cNvPr id="13" name="Imagen 12">
+          <p:cNvPr id="30" name="Imagen 29">
             <a:extLst>
               <a:ext uri="{FF2B5EF4-FFF2-40B4-BE49-F238E27FC236}">
-                <a16:creationId xmlns:a16="http://schemas.microsoft.com/office/drawing/2014/main" id="{425659F0-6D0E-7C4D-BB2A-ECABFAB6026C}"/>
+                <a16:creationId xmlns:a16="http://schemas.microsoft.com/office/drawing/2014/main" id="{9AD9021D-3DE8-CC48-AF87-ACDDBAC4A897}"/>
               </a:ext>
             </a:extLst>
           </p:cNvPr>
@@ -12702,8 +12705,8 @@
         </p:blipFill>
         <p:spPr>
           <a:xfrm>
-            <a:off x="4205799" y="4431845"/>
-            <a:ext cx="3646717" cy="1902427"/>
+            <a:off x="8109850" y="2093961"/>
+            <a:ext cx="3631584" cy="1947640"/>
           </a:xfrm>
           <a:prstGeom prst="rect">
             <a:avLst/>
@@ -12712,10 +12715,10 @@
       </p:pic>
       <p:pic>
         <p:nvPicPr>
-          <p:cNvPr id="15" name="Imagen 14">
+          <p:cNvPr id="32" name="Imagen 31">
             <a:extLst>
               <a:ext uri="{FF2B5EF4-FFF2-40B4-BE49-F238E27FC236}">
-                <a16:creationId xmlns:a16="http://schemas.microsoft.com/office/drawing/2014/main" id="{9C629051-5FAD-CC4D-B610-4E73AB9E60F5}"/>
+                <a16:creationId xmlns:a16="http://schemas.microsoft.com/office/drawing/2014/main" id="{FE601033-3A1F-F644-8A11-67A41E7AA591}"/>
               </a:ext>
             </a:extLst>
           </p:cNvPr>
@@ -12732,8 +12735,8 @@
         </p:blipFill>
         <p:spPr>
           <a:xfrm>
-            <a:off x="7882395" y="4443825"/>
-            <a:ext cx="3627550" cy="1878467"/>
+            <a:off x="4211196" y="4250636"/>
+            <a:ext cx="3698970" cy="2016320"/>
           </a:xfrm>
           <a:prstGeom prst="rect">
             <a:avLst/>
@@ -12946,19 +12949,17 @@
       </p:pic>
       <p:pic>
         <p:nvPicPr>
-          <p:cNvPr id="15" name="Marcador de contenido 14">
+          <p:cNvPr id="19" name="Imagen 18">
             <a:extLst>
               <a:ext uri="{FF2B5EF4-FFF2-40B4-BE49-F238E27FC236}">
-                <a16:creationId xmlns:a16="http://schemas.microsoft.com/office/drawing/2014/main" id="{D0CB9DAB-8EBE-5648-AB07-8F8878B4DF25}"/>
+                <a16:creationId xmlns:a16="http://schemas.microsoft.com/office/drawing/2014/main" id="{F745F45B-3A13-8A45-A7E3-C39B6A4B41C8}"/>
               </a:ext>
             </a:extLst>
           </p:cNvPr>
           <p:cNvPicPr>
-            <a:picLocks noGrp="1" noChangeAspect="1"/>
+            <a:picLocks noChangeAspect="1"/>
           </p:cNvPicPr>
-          <p:nvPr>
-            <p:ph sz="half" idx="2"/>
-          </p:nvPr>
+          <p:nvPr/>
         </p:nvPicPr>
         <p:blipFill>
           <a:blip r:embed="rId4"/>
@@ -12968,9 +12969,12 @@
         </p:blipFill>
         <p:spPr>
           <a:xfrm>
-            <a:off x="6096000" y="1991665"/>
-            <a:ext cx="2273300" cy="1104900"/>
+            <a:off x="5406808" y="1991665"/>
+            <a:ext cx="4445000" cy="1193800"/>
           </a:xfrm>
+          <a:prstGeom prst="rect">
+            <a:avLst/>
+          </a:prstGeom>
         </p:spPr>
       </p:pic>
     </p:spTree>

--- a/presentation.pptx
+++ b/presentation.pptx
@@ -114,6 +114,11 @@
       </a:defRPr>
     </a:lvl9pPr>
   </p:defaultTextStyle>
+  <p:extLst>
+    <p:ext uri="{EFAFB233-063F-42B5-8137-9DF3F51BA10A}">
+      <p15:sldGuideLst xmlns:p15="http://schemas.microsoft.com/office/powerpoint/2012/main"/>
+    </p:ext>
+  </p:extLst>
 </p:presentation>
 </file>
 
@@ -2668,7 +2673,7 @@
         <a:p>
           <a:r>
             <a:rPr lang="es-MX" dirty="0"/>
-            <a:t>Carry out hypotheiss testing to find out if differences in WGI among regions, income levels, and rating grades are statistically significant.</a:t>
+            <a:t>Carry out hypothesis testing to find out if differences in WGI among regions, income levels, and rating grades are statistically significant.</a:t>
           </a:r>
         </a:p>
         <a:p>
@@ -4260,7 +4265,7 @@
           </a:pPr>
           <a:r>
             <a:rPr lang="es-MX" sz="1800" kern="1200" dirty="0"/>
-            <a:t>Carry out hypotheiss testing to find out if differences in WGI among regions, income levels, and rating grades are statistically significant.</a:t>
+            <a:t>Carry out hypothesis testing to find out if differences in WGI among regions, income levels, and rating grades are statistically significant.</a:t>
           </a:r>
         </a:p>
         <a:p>
@@ -7190,7 +7195,7 @@
             <a:fld id="{B61BEF0D-F0BB-DE4B-95CE-6DB70DBA9567}" type="datetimeFigureOut">
               <a:rPr lang="en-US" dirty="0"/>
               <a:pPr/>
-              <a:t>12/16/19</a:t>
+              <a:t>1/8/20</a:t>
             </a:fld>
             <a:endParaRPr lang="en-US" dirty="0"/>
           </a:p>
@@ -7449,7 +7454,7 @@
             <a:fld id="{B61BEF0D-F0BB-DE4B-95CE-6DB70DBA9567}" type="datetimeFigureOut">
               <a:rPr lang="en-US" dirty="0"/>
               <a:pPr/>
-              <a:t>12/16/19</a:t>
+              <a:t>1/8/20</a:t>
             </a:fld>
             <a:endParaRPr lang="en-US" dirty="0"/>
           </a:p>
@@ -7681,7 +7686,7 @@
             <a:fld id="{B61BEF0D-F0BB-DE4B-95CE-6DB70DBA9567}" type="datetimeFigureOut">
               <a:rPr lang="en-US" dirty="0"/>
               <a:pPr/>
-              <a:t>12/16/19</a:t>
+              <a:t>1/8/20</a:t>
             </a:fld>
             <a:endParaRPr lang="en-US" dirty="0"/>
           </a:p>
@@ -7918,7 +7923,7 @@
             <a:fld id="{B61BEF0D-F0BB-DE4B-95CE-6DB70DBA9567}" type="datetimeFigureOut">
               <a:rPr lang="en-US" dirty="0"/>
               <a:pPr/>
-              <a:t>12/16/19</a:t>
+              <a:t>1/8/20</a:t>
             </a:fld>
             <a:endParaRPr lang="en-US" dirty="0"/>
           </a:p>
@@ -8222,7 +8227,7 @@
             <a:fld id="{B61BEF0D-F0BB-DE4B-95CE-6DB70DBA9567}" type="datetimeFigureOut">
               <a:rPr lang="en-US" dirty="0"/>
               <a:pPr/>
-              <a:t>12/16/19</a:t>
+              <a:t>1/8/20</a:t>
             </a:fld>
             <a:endParaRPr lang="en-US" dirty="0"/>
           </a:p>
@@ -8521,7 +8526,7 @@
             <a:fld id="{B61BEF0D-F0BB-DE4B-95CE-6DB70DBA9567}" type="datetimeFigureOut">
               <a:rPr lang="en-US" dirty="0"/>
               <a:pPr/>
-              <a:t>12/16/19</a:t>
+              <a:t>1/8/20</a:t>
             </a:fld>
             <a:endParaRPr lang="en-US" dirty="0"/>
           </a:p>
@@ -8940,7 +8945,7 @@
             <a:fld id="{B61BEF0D-F0BB-DE4B-95CE-6DB70DBA9567}" type="datetimeFigureOut">
               <a:rPr lang="en-US" dirty="0"/>
               <a:pPr/>
-              <a:t>12/16/19</a:t>
+              <a:t>1/8/20</a:t>
             </a:fld>
             <a:endParaRPr lang="en-US" dirty="0"/>
           </a:p>
@@ -9099,7 +9104,7 @@
             <a:fld id="{B61BEF0D-F0BB-DE4B-95CE-6DB70DBA9567}" type="datetimeFigureOut">
               <a:rPr lang="en-US" dirty="0"/>
               <a:pPr/>
-              <a:t>12/16/19</a:t>
+              <a:t>1/8/20</a:t>
             </a:fld>
             <a:endParaRPr lang="en-US" dirty="0"/>
           </a:p>
@@ -9191,7 +9196,7 @@
             <a:fld id="{B61BEF0D-F0BB-DE4B-95CE-6DB70DBA9567}" type="datetimeFigureOut">
               <a:rPr lang="en-US" dirty="0"/>
               <a:pPr/>
-              <a:t>12/16/19</a:t>
+              <a:t>1/8/20</a:t>
             </a:fld>
             <a:endParaRPr lang="en-US" dirty="0"/>
           </a:p>
@@ -9566,7 +9571,7 @@
             <a:fld id="{B61BEF0D-F0BB-DE4B-95CE-6DB70DBA9567}" type="datetimeFigureOut">
               <a:rPr lang="en-US" dirty="0"/>
               <a:pPr/>
-              <a:t>12/16/19</a:t>
+              <a:t>1/8/20</a:t>
             </a:fld>
             <a:endParaRPr lang="en-US" dirty="0"/>
           </a:p>
@@ -9852,7 +9857,7 @@
             <a:fld id="{B61BEF0D-F0BB-DE4B-95CE-6DB70DBA9567}" type="datetimeFigureOut">
               <a:rPr lang="en-US" dirty="0"/>
               <a:pPr/>
-              <a:t>12/16/19</a:t>
+              <a:t>1/8/20</a:t>
             </a:fld>
             <a:endParaRPr lang="en-US" dirty="0"/>
           </a:p>
@@ -10060,7 +10065,7 @@
             <a:fld id="{B61BEF0D-F0BB-DE4B-95CE-6DB70DBA9567}" type="datetimeFigureOut">
               <a:rPr lang="en-US" dirty="0"/>
               <a:pPr/>
-              <a:t>12/16/19</a:t>
+              <a:t>1/8/20</a:t>
             </a:fld>
             <a:endParaRPr lang="en-US" dirty="0"/>
           </a:p>
@@ -11081,7 +11086,7 @@
             <p:ph idx="1"/>
             <p:extLst>
               <p:ext uri="{D42A27DB-BD31-4B8C-83A1-F6EECF244321}">
-                <p14:modId xmlns:p14="http://schemas.microsoft.com/office/powerpoint/2010/main" val="2097566826"/>
+                <p14:modId xmlns:p14="http://schemas.microsoft.com/office/powerpoint/2010/main" val="1907913621"/>
               </p:ext>
             </p:extLst>
           </p:nvPr>
@@ -12949,10 +12954,10 @@
       </p:pic>
       <p:pic>
         <p:nvPicPr>
-          <p:cNvPr id="19" name="Imagen 18">
+          <p:cNvPr id="4" name="Imagen 3">
             <a:extLst>
               <a:ext uri="{FF2B5EF4-FFF2-40B4-BE49-F238E27FC236}">
-                <a16:creationId xmlns:a16="http://schemas.microsoft.com/office/drawing/2014/main" id="{F745F45B-3A13-8A45-A7E3-C39B6A4B41C8}"/>
+                <a16:creationId xmlns:a16="http://schemas.microsoft.com/office/drawing/2014/main" id="{AFF0C299-5896-0848-937B-6965B75F33EB}"/>
               </a:ext>
             </a:extLst>
           </p:cNvPr>
@@ -12969,8 +12974,8 @@
         </p:blipFill>
         <p:spPr>
           <a:xfrm>
-            <a:off x="5406808" y="1991665"/>
-            <a:ext cx="4445000" cy="1193800"/>
+            <a:off x="5707979" y="1991665"/>
+            <a:ext cx="4419600" cy="1079500"/>
           </a:xfrm>
           <a:prstGeom prst="rect">
             <a:avLst/>
@@ -13133,7 +13138,7 @@
             </a:pPr>
             <a:r>
               <a:rPr lang="en-US" dirty="0"/>
-              <a:t>Achieving a model with a 66% precision score is remarkable while having 7 different classes</a:t>
+              <a:t>The model achieves a precision score of about 52%.</a:t>
             </a:r>
           </a:p>
           <a:p>
